--- a/report.pptx
+++ b/report.pptx
@@ -8,7 +8,7 @@
     <p:notesMasterId r:id="rId8"/>
   </p:notesMasterIdLst>
   <p:handoutMasterIdLst>
-    <p:handoutMasterId r:id="rId33"/>
+    <p:handoutMasterId r:id="rId35"/>
   </p:handoutMasterIdLst>
   <p:sldIdLst>
     <p:sldId id="256" r:id="rId3"/>
@@ -40,6 +40,8 @@
     <p:sldId id="293" r:id="rId30"/>
     <p:sldId id="287" r:id="rId31"/>
     <p:sldId id="290" r:id="rId32"/>
+    <p:sldId id="313" r:id="rId33"/>
+    <p:sldId id="314" r:id="rId34"/>
   </p:sldIdLst>
   <p:sldSz cx="12192000" cy="6858000"/>
   <p:notesSz cx="6858000" cy="9144000"/>
@@ -3566,8 +3568,8 @@
         </p:blipFill>
         <p:spPr>
           <a:xfrm>
-            <a:off x="2364105" y="815975"/>
-            <a:ext cx="6744970" cy="5612130"/>
+            <a:off x="2364105" y="795655"/>
+            <a:ext cx="6769100" cy="5632450"/>
           </a:xfrm>
           <a:prstGeom prst="rect">
             <a:avLst/>
@@ -5486,7 +5488,6 @@
             <a:pPr algn="ctr"/>
             <a:r>
               <a:rPr lang="x-none" altLang="en-US">
-                <a:ln/>
                 <a:solidFill>
                   <a:srgbClr val="FF0000"/>
                 </a:solidFill>
@@ -5502,7 +5503,6 @@
               <a:t>docker network create --drive overlay &lt;network name&gt;</a:t>
             </a:r>
             <a:endParaRPr lang="x-none" altLang="en-US">
-              <a:ln/>
               <a:solidFill>
                 <a:srgbClr val="FF0000"/>
               </a:solidFill>
@@ -5519,7 +5519,6 @@
           <a:p>
             <a:pPr algn="ctr"/>
             <a:endParaRPr lang="x-none" altLang="en-US">
-              <a:ln/>
               <a:solidFill>
                 <a:srgbClr val="FF0000"/>
               </a:solidFill>
@@ -5734,7 +5733,6 @@
             </a:r>
             <a:r>
               <a:rPr lang="x-none" altLang="en-US">
-                <a:ln/>
                 <a:solidFill>
                   <a:schemeClr val="tx1"/>
                 </a:solidFill>
@@ -5746,7 +5744,6 @@
             </a:r>
             <a:r>
               <a:rPr lang="x-none" altLang="en-US">
-                <a:ln/>
                 <a:solidFill>
                   <a:srgbClr val="FF0000"/>
                 </a:solidFill>
@@ -5758,7 +5755,6 @@
             </a:r>
             <a:r>
               <a:rPr lang="x-none" altLang="en-US">
-                <a:ln/>
                 <a:solidFill>
                   <a:schemeClr val="tx1"/>
                 </a:solidFill>
@@ -5769,7 +5765,6 @@
               <a:t>, module này sẽ kiểm tra các IP tham gia vào hoạt động của service đó, chọn một trong các IP này rồi điều hướng request đến IP đó qua ingress network.</a:t>
             </a:r>
             <a:endParaRPr lang="x-none" altLang="en-US">
-              <a:ln/>
               <a:solidFill>
                 <a:schemeClr val="tx1"/>
               </a:solidFill>
@@ -5781,7 +5776,6 @@
           <a:p>
             <a:pPr algn="just"/>
             <a:endParaRPr lang="x-none" altLang="en-US">
-              <a:ln/>
               <a:solidFill>
                 <a:schemeClr val="tx1"/>
               </a:solidFill>
@@ -5794,7 +5788,6 @@
             <a:pPr algn="just"/>
             <a:r>
               <a:rPr lang="en-US">
-                <a:ln/>
                 <a:solidFill>
                   <a:schemeClr val="tx1"/>
                 </a:solidFill>
@@ -5804,7 +5797,6 @@
               <a:t>- ingress network này cũng được tự động tạo ra mỗi khi người dùng khởi tạo swarm mode. Từ bản Docker17.05 người dùng có thể cấu hình network này.</a:t>
             </a:r>
             <a:endParaRPr lang="en-US">
-              <a:ln/>
               <a:solidFill>
                 <a:schemeClr val="tx1"/>
               </a:solidFill>
@@ -5815,7 +5807,6 @@
           <a:p>
             <a:pPr algn="just"/>
             <a:endParaRPr lang="en-US">
-              <a:ln/>
               <a:solidFill>
                 <a:schemeClr val="tx1"/>
               </a:solidFill>
@@ -5827,7 +5818,6 @@
             <a:pPr algn="just"/>
             <a:r>
               <a:rPr lang="x-none" altLang="en-US">
-                <a:ln/>
                 <a:solidFill>
                   <a:schemeClr val="tx1"/>
                 </a:solidFill>
@@ -5837,7 +5827,6 @@
               <a:t>- Hiện nay, docker swarm còn hỗ trợ việc các container có thể có nhiều interfaces và nằm trên 2 mạng khác nhau</a:t>
             </a:r>
             <a:endParaRPr lang="x-none" altLang="en-US">
-              <a:ln/>
               <a:solidFill>
                 <a:schemeClr val="tx1"/>
               </a:solidFill>
@@ -6293,7 +6282,7 @@
             <a:r>
               <a:rPr lang="x-none" altLang="en-US">
                 <a:latin typeface="Times New Roman" charset="0"/>
-                <a:hlinkClick r:id="rId1" tooltip="" action="ppaction://hlinkfile"/>
+                <a:hlinkClick r:id="rId1" action="ppaction://hlinkfile"/>
               </a:rPr>
               <a:t>Docker-features-highlights</a:t>
             </a:r>
@@ -6303,6 +6292,191 @@
           </a:p>
         </p:txBody>
       </p:sp>
+    </p:spTree>
+  </p:cSld>
+  <p:clrMapOvr>
+    <a:masterClrMapping/>
+  </p:clrMapOvr>
+</p:sld>
+</file>
+
+<file path=ppt/slides/slide30.xml><?xml version="1.0" encoding="utf-8"?>
+<p:sld xmlns:a="http://schemas.openxmlformats.org/drawingml/2006/main" xmlns:r="http://schemas.openxmlformats.org/officeDocument/2006/relationships" xmlns:p="http://schemas.openxmlformats.org/presentationml/2006/main">
+  <p:cSld>
+    <p:spTree>
+      <p:nvGrpSpPr>
+        <p:cNvPr id="1" name=""/>
+        <p:cNvGrpSpPr/>
+        <p:nvPr/>
+      </p:nvGrpSpPr>
+      <p:grpSpPr/>
+      <p:sp>
+        <p:nvSpPr>
+          <p:cNvPr id="2" name="Text Box 1"/>
+          <p:cNvSpPr txBox="1"/>
+          <p:nvPr/>
+        </p:nvSpPr>
+        <p:spPr>
+          <a:xfrm>
+            <a:off x="4251325" y="232410"/>
+            <a:ext cx="2632710" cy="365760"/>
+          </a:xfrm>
+          <a:prstGeom prst="rect">
+            <a:avLst/>
+          </a:prstGeom>
+          <a:noFill/>
+        </p:spPr>
+        <p:txBody>
+          <a:bodyPr wrap="square" rtlCol="0">
+            <a:spAutoFit/>
+          </a:bodyPr>
+          <a:p>
+            <a:r>
+              <a:rPr lang="x-none" altLang="en-US">
+                <a:latin typeface="Times New Roman" charset="0"/>
+              </a:rPr>
+              <a:t>Docker Swarm Volume</a:t>
+            </a:r>
+            <a:endParaRPr lang="x-none" altLang="en-US">
+              <a:latin typeface="Times New Roman" charset="0"/>
+            </a:endParaRPr>
+          </a:p>
+        </p:txBody>
+      </p:sp>
+      <p:sp>
+        <p:nvSpPr>
+          <p:cNvPr id="3" name="Text Box 2"/>
+          <p:cNvSpPr txBox="1"/>
+          <p:nvPr/>
+        </p:nvSpPr>
+        <p:spPr>
+          <a:xfrm>
+            <a:off x="438785" y="755650"/>
+            <a:ext cx="11229340" cy="2013585"/>
+          </a:xfrm>
+          <a:prstGeom prst="rect">
+            <a:avLst/>
+          </a:prstGeom>
+          <a:noFill/>
+        </p:spPr>
+        <p:txBody>
+          <a:bodyPr wrap="square" rtlCol="0">
+            <a:spAutoFit/>
+          </a:bodyPr>
+          <a:p>
+            <a:r>
+              <a:rPr lang="x-none" altLang="en-US"/>
+              <a:t>- Docker Swarm Volume là nơi chứa tập hợp các data trong cluster và sử dụng nó cho Swarm Cluster thông qua việc bind-mount volume. Tất cả các task sẽ sử dụng data trong volume được mount.</a:t>
+            </a:r>
+            <a:endParaRPr lang="x-none" altLang="en-US"/>
+          </a:p>
+          <a:p>
+            <a:endParaRPr lang="x-none" altLang="en-US"/>
+          </a:p>
+          <a:p>
+            <a:r>
+              <a:rPr lang="x-none" altLang="en-US"/>
+              <a:t>- Mặc định thì các volume trong swarm sẽ được đặt ở local. Do vậy các volume trong các node là hoàn toàn tách biệt và Docker hỗ trợ sử dụng các volume plugins sử dụng các phần mềm như GFS, Ceph, NFS nếu người dùng muốn sync data giữa các node. Tất cả các data ở trong local volume sẽ bị mất nếu container hoặc node bị reset.</a:t>
+            </a:r>
+            <a:endParaRPr lang="x-none" altLang="en-US"/>
+          </a:p>
+        </p:txBody>
+      </p:sp>
+      <p:pic>
+        <p:nvPicPr>
+          <p:cNvPr id="4" name="Picture 3" descr="datalink volum"/>
+          <p:cNvPicPr>
+            <a:picLocks noChangeAspect="1"/>
+          </p:cNvPicPr>
+          <p:nvPr/>
+        </p:nvPicPr>
+        <p:blipFill>
+          <a:blip r:embed="rId1"/>
+          <a:stretch>
+            <a:fillRect/>
+          </a:stretch>
+        </p:blipFill>
+        <p:spPr>
+          <a:xfrm>
+            <a:off x="3427095" y="2741295"/>
+            <a:ext cx="6902450" cy="3941445"/>
+          </a:xfrm>
+          <a:prstGeom prst="rect">
+            <a:avLst/>
+          </a:prstGeom>
+        </p:spPr>
+      </p:pic>
+    </p:spTree>
+  </p:cSld>
+  <p:clrMapOvr>
+    <a:masterClrMapping/>
+  </p:clrMapOvr>
+</p:sld>
+</file>
+
+<file path=ppt/slides/slide31.xml><?xml version="1.0" encoding="utf-8"?>
+<p:sld xmlns:a="http://schemas.openxmlformats.org/drawingml/2006/main" xmlns:r="http://schemas.openxmlformats.org/officeDocument/2006/relationships" xmlns:p="http://schemas.openxmlformats.org/presentationml/2006/main">
+  <p:cSld>
+    <p:spTree>
+      <p:nvGrpSpPr>
+        <p:cNvPr id="1" name=""/>
+        <p:cNvGrpSpPr/>
+        <p:nvPr/>
+      </p:nvGrpSpPr>
+      <p:grpSpPr/>
+      <p:sp>
+        <p:nvSpPr>
+          <p:cNvPr id="2" name="Text Box 1"/>
+          <p:cNvSpPr txBox="1"/>
+          <p:nvPr/>
+        </p:nvSpPr>
+        <p:spPr>
+          <a:xfrm>
+            <a:off x="474345" y="283845"/>
+            <a:ext cx="11152505" cy="641985"/>
+          </a:xfrm>
+          <a:prstGeom prst="rect">
+            <a:avLst/>
+          </a:prstGeom>
+          <a:noFill/>
+        </p:spPr>
+        <p:txBody>
+          <a:bodyPr wrap="square" rtlCol="0">
+            <a:spAutoFit/>
+          </a:bodyPr>
+          <a:p>
+            <a:r>
+              <a:rPr lang="x-none" altLang="en-US"/>
+              <a:t>- Để tránh tình trạng bị mất dữ liệu, hiện nay người dùng hay sử dụng cách là làm volume plugins để mount data từ một database cluster bên ngoài, qua đó đảm bảo tính ổn định và an toàn cho database.</a:t>
+            </a:r>
+            <a:endParaRPr lang="x-none" altLang="en-US"/>
+          </a:p>
+        </p:txBody>
+      </p:sp>
+      <p:pic>
+        <p:nvPicPr>
+          <p:cNvPr id="3" name="Picture 2" descr="volume-plugins"/>
+          <p:cNvPicPr>
+            <a:picLocks noChangeAspect="1"/>
+          </p:cNvPicPr>
+          <p:nvPr/>
+        </p:nvPicPr>
+        <p:blipFill>
+          <a:blip r:embed="rId1"/>
+          <a:stretch>
+            <a:fillRect/>
+          </a:stretch>
+        </p:blipFill>
+        <p:spPr>
+          <a:xfrm>
+            <a:off x="1254125" y="1187450"/>
+            <a:ext cx="9580880" cy="5123815"/>
+          </a:xfrm>
+          <a:prstGeom prst="rect">
+            <a:avLst/>
+          </a:prstGeom>
+        </p:spPr>
+      </p:pic>
     </p:spTree>
   </p:cSld>
   <p:clrMapOvr>
@@ -6794,13 +6968,13 @@
             <a:r>
               <a:rPr lang="en-US">
                 <a:latin typeface="Times New Roman" charset="0"/>
-                <a:hlinkClick r:id="rId1" tooltip="" action="ppaction://hlinkfile"/>
+                <a:hlinkClick r:id="rId1" action="ppaction://hlinkfile"/>
               </a:rPr>
               <a:t>dockerhub</a:t>
             </a:r>
             <a:endParaRPr lang="en-US">
               <a:latin typeface="Times New Roman" charset="0"/>
-              <a:hlinkClick r:id="rId1" tooltip="" action="ppaction://hlinkfile"/>
+              <a:hlinkClick r:id="rId1" action="ppaction://hlinkfile"/>
             </a:endParaRPr>
           </a:p>
           <a:p>
